--- a/second/slides/Introduction_to_SRW.pptx
+++ b/second/slides/Introduction_to_SRW.pptx
@@ -279,7 +279,7 @@
           <a:p>
             <a:fld id="{B691EE03-8B86-4483-A61E-7F251E4A6480}" type="datetimeFigureOut">
               <a:rPr lang="en-US" smtClean="0"/>
-              <a:t>12/6/19</a:t>
+              <a:t>12/12/19</a:t>
             </a:fld>
             <a:endParaRPr lang="en-US"/>
           </a:p>
@@ -445,7 +445,7 @@
           <a:p>
             <a:fld id="{1AF9D93D-2DCD-4941-9148-539F4B11DA5A}" type="datetimeFigureOut">
               <a:rPr lang="en-US" smtClean="0"/>
-              <a:t>12/6/19</a:t>
+              <a:t>12/12/19</a:t>
             </a:fld>
             <a:endParaRPr lang="en-US"/>
           </a:p>
@@ -752,14 +752,14 @@
           <a:noFill/>
           <a:extLst>
             <a:ext uri="{909E8E84-426E-40dd-AFC4-6F175D3DCCD1}">
-              <a14:hiddenFill xmlns="" xmlns:a14="http://schemas.microsoft.com/office/drawing/2010/main">
+              <a14:hiddenFill xmlns:a14="http://schemas.microsoft.com/office/drawing/2010/main" xmlns="">
                 <a:solidFill>
                   <a:srgbClr val="FFFFFF"/>
                 </a:solidFill>
               </a14:hiddenFill>
             </a:ext>
             <a:ext uri="{91240B29-F687-4f45-9708-019B960494DF}">
-              <a14:hiddenLine xmlns="" xmlns:a14="http://schemas.microsoft.com/office/drawing/2010/main" w="9525">
+              <a14:hiddenLine xmlns:a14="http://schemas.microsoft.com/office/drawing/2010/main" xmlns="" w="9525">
                 <a:solidFill>
                   <a:srgbClr val="000000"/>
                 </a:solidFill>
@@ -1010,14 +1010,14 @@
           <a:effectLst/>
           <a:extLst>
             <a:ext uri="{909E8E84-426E-40dd-AFC4-6F175D3DCCD1}">
-              <a14:hiddenFill xmlns="" xmlns:a14="http://schemas.microsoft.com/office/drawing/2010/main">
+              <a14:hiddenFill xmlns:a14="http://schemas.microsoft.com/office/drawing/2010/main" xmlns="">
                 <a:solidFill>
                   <a:srgbClr val="FFFFFF"/>
                 </a:solidFill>
               </a14:hiddenFill>
             </a:ext>
             <a:ext uri="{91240B29-F687-4f45-9708-019B960494DF}">
-              <a14:hiddenLine xmlns="" xmlns:a14="http://schemas.microsoft.com/office/drawing/2010/main" w="9525">
+              <a14:hiddenLine xmlns:a14="http://schemas.microsoft.com/office/drawing/2010/main" xmlns="" w="9525">
                 <a:solidFill>
                   <a:srgbClr val="808080"/>
                 </a:solidFill>
@@ -1027,7 +1027,7 @@
               </a14:hiddenLine>
             </a:ext>
             <a:ext uri="{AF507438-7753-43e0-B8FC-AC1667EBCBE1}">
-              <a14:hiddenEffects xmlns="" xmlns:a14="http://schemas.microsoft.com/office/drawing/2010/main">
+              <a14:hiddenEffects xmlns:a14="http://schemas.microsoft.com/office/drawing/2010/main" xmlns="">
                 <a:effectLst>
                   <a:outerShdw blurRad="63500" dist="38099" dir="2700000" algn="ctr" rotWithShape="0">
                     <a:srgbClr val="000000">
@@ -1088,14 +1088,14 @@
           <a:effectLst/>
           <a:extLst>
             <a:ext uri="{909E8E84-426E-40dd-AFC4-6F175D3DCCD1}">
-              <a14:hiddenFill xmlns="" xmlns:a14="http://schemas.microsoft.com/office/drawing/2010/main">
+              <a14:hiddenFill xmlns:a14="http://schemas.microsoft.com/office/drawing/2010/main" xmlns="">
                 <a:solidFill>
                   <a:srgbClr val="FFFFFF"/>
                 </a:solidFill>
               </a14:hiddenFill>
             </a:ext>
             <a:ext uri="{91240B29-F687-4f45-9708-019B960494DF}">
-              <a14:hiddenLine xmlns="" xmlns:a14="http://schemas.microsoft.com/office/drawing/2010/main" w="9525">
+              <a14:hiddenLine xmlns:a14="http://schemas.microsoft.com/office/drawing/2010/main" xmlns="" w="9525">
                 <a:solidFill>
                   <a:srgbClr val="808080"/>
                 </a:solidFill>
@@ -1105,7 +1105,7 @@
               </a14:hiddenLine>
             </a:ext>
             <a:ext uri="{AF507438-7753-43e0-B8FC-AC1667EBCBE1}">
-              <a14:hiddenEffects xmlns="" xmlns:a14="http://schemas.microsoft.com/office/drawing/2010/main">
+              <a14:hiddenEffects xmlns:a14="http://schemas.microsoft.com/office/drawing/2010/main" xmlns="">
                 <a:effectLst>
                   <a:outerShdw blurRad="63500" dist="38099" dir="2700000" algn="ctr" rotWithShape="0">
                     <a:srgbClr val="000000">
@@ -1176,7 +1176,7 @@
           </a:xfrm>
           <a:extLst>
             <a:ext uri="{AF507438-7753-43e0-B8FC-AC1667EBCBE1}">
-              <a14:hiddenEffects xmlns="" xmlns:a14="http://schemas.microsoft.com/office/drawing/2010/main">
+              <a14:hiddenEffects xmlns:a14="http://schemas.microsoft.com/office/drawing/2010/main" xmlns="">
                 <a:effectLst>
                   <a:outerShdw blurRad="63500" dist="38099" dir="2700000" algn="ctr" rotWithShape="0">
                     <a:srgbClr val="000000">
@@ -3428,7 +3428,7 @@
           <a:noFill/>
           <a:extLst>
             <a:ext uri="{909E8E84-426E-40dd-AFC4-6F175D3DCCD1}">
-              <a14:hiddenFill xmlns="" xmlns:a14="http://schemas.microsoft.com/office/drawing/2010/main">
+              <a14:hiddenFill xmlns:a14="http://schemas.microsoft.com/office/drawing/2010/main" xmlns="">
                 <a:solidFill>
                   <a:srgbClr val="FFFFFF"/>
                 </a:solidFill>
@@ -4950,7 +4950,7 @@
           <a:noFill/>
           <a:extLst>
             <a:ext uri="{909E8E84-426E-40dd-AFC4-6F175D3DCCD1}">
-              <a14:hiddenFill xmlns="" xmlns:a14="http://schemas.microsoft.com/office/drawing/2010/main">
+              <a14:hiddenFill xmlns:a14="http://schemas.microsoft.com/office/drawing/2010/main" xmlns="">
                 <a:solidFill>
                   <a:srgbClr val="FFFFFF"/>
                 </a:solidFill>
@@ -19691,8 +19691,8 @@
           </a:p>
         </p:txBody>
       </p:sp>
-      <mc:AlternateContent xmlns:mc="http://schemas.openxmlformats.org/markup-compatibility/2006">
-        <mc:Choice xmlns:a14="http://schemas.microsoft.com/office/drawing/2010/main" Requires="a14">
+      <mc:AlternateContent xmlns:mc="http://schemas.openxmlformats.org/markup-compatibility/2006" xmlns:a14="http://schemas.microsoft.com/office/drawing/2010/main">
+        <mc:Choice Requires="a14">
           <p:sp>
             <p:nvSpPr>
               <p:cNvPr id="13" name="TextBox 12">
@@ -20189,7 +20189,7 @@
             </p:txBody>
           </p:sp>
         </mc:Choice>
-        <mc:Fallback>
+        <mc:Fallback xmlns="">
           <p:sp>
             <p:nvSpPr>
               <p:cNvPr id="13" name="TextBox 12">
@@ -20234,8 +20234,8 @@
           </p:sp>
         </mc:Fallback>
       </mc:AlternateContent>
-      <mc:AlternateContent xmlns:mc="http://schemas.openxmlformats.org/markup-compatibility/2006">
-        <mc:Choice xmlns:a14="http://schemas.microsoft.com/office/drawing/2010/main" Requires="a14">
+      <mc:AlternateContent xmlns:mc="http://schemas.openxmlformats.org/markup-compatibility/2006" xmlns:a14="http://schemas.microsoft.com/office/drawing/2010/main">
+        <mc:Choice Requires="a14">
           <p:sp>
             <p:nvSpPr>
               <p:cNvPr id="16" name="Rectangle 15">
@@ -20431,7 +20431,7 @@
             </p:txBody>
           </p:sp>
         </mc:Choice>
-        <mc:Fallback>
+        <mc:Fallback xmlns="">
           <p:sp>
             <p:nvSpPr>
               <p:cNvPr id="16" name="Rectangle 15">
@@ -20476,8 +20476,8 @@
           </p:sp>
         </mc:Fallback>
       </mc:AlternateContent>
-      <mc:AlternateContent xmlns:mc="http://schemas.openxmlformats.org/markup-compatibility/2006">
-        <mc:Choice xmlns:a14="http://schemas.microsoft.com/office/drawing/2010/main" Requires="a14">
+      <mc:AlternateContent xmlns:mc="http://schemas.openxmlformats.org/markup-compatibility/2006" xmlns:a14="http://schemas.microsoft.com/office/drawing/2010/main">
+        <mc:Choice Requires="a14">
           <p:sp>
             <p:nvSpPr>
               <p:cNvPr id="17" name="Rectangle 16">
@@ -21284,7 +21284,7 @@
             </p:txBody>
           </p:sp>
         </mc:Choice>
-        <mc:Fallback>
+        <mc:Fallback xmlns="">
           <p:sp>
             <p:nvSpPr>
               <p:cNvPr id="17" name="Rectangle 16">
@@ -21329,8 +21329,8 @@
           </p:sp>
         </mc:Fallback>
       </mc:AlternateContent>
-      <mc:AlternateContent xmlns:mc="http://schemas.openxmlformats.org/markup-compatibility/2006">
-        <mc:Choice xmlns:a14="http://schemas.microsoft.com/office/drawing/2010/main" Requires="a14">
+      <mc:AlternateContent xmlns:mc="http://schemas.openxmlformats.org/markup-compatibility/2006" xmlns:a14="http://schemas.microsoft.com/office/drawing/2010/main">
+        <mc:Choice Requires="a14">
           <p:sp>
             <p:nvSpPr>
               <p:cNvPr id="18" name="TextBox 17">
@@ -21854,7 +21854,7 @@
             </p:txBody>
           </p:sp>
         </mc:Choice>
-        <mc:Fallback>
+        <mc:Fallback xmlns="">
           <p:sp>
             <p:nvSpPr>
               <p:cNvPr id="18" name="TextBox 17">
@@ -22372,8 +22372,8 @@
           </a:p>
         </p:txBody>
       </p:sp>
-      <mc:AlternateContent xmlns:mc="http://schemas.openxmlformats.org/markup-compatibility/2006">
-        <mc:Choice xmlns:a14="http://schemas.microsoft.com/office/drawing/2010/main" Requires="a14">
+      <mc:AlternateContent xmlns:mc="http://schemas.openxmlformats.org/markup-compatibility/2006" xmlns:a14="http://schemas.microsoft.com/office/drawing/2010/main">
+        <mc:Choice Requires="a14">
           <p:sp>
             <p:nvSpPr>
               <p:cNvPr id="13" name="Rectangle 12">
@@ -23149,7 +23149,7 @@
             </p:txBody>
           </p:sp>
         </mc:Choice>
-        <mc:Fallback>
+        <mc:Fallback xmlns="">
           <p:sp>
             <p:nvSpPr>
               <p:cNvPr id="13" name="Rectangle 12">
@@ -23768,8 +23768,8 @@
           </a:p>
         </p:txBody>
       </p:sp>
-      <mc:AlternateContent xmlns:mc="http://schemas.openxmlformats.org/markup-compatibility/2006">
-        <mc:Choice xmlns:a14="http://schemas.microsoft.com/office/drawing/2010/main" Requires="a14">
+      <mc:AlternateContent xmlns:mc="http://schemas.openxmlformats.org/markup-compatibility/2006" xmlns:a14="http://schemas.microsoft.com/office/drawing/2010/main">
+        <mc:Choice Requires="a14">
           <p:sp>
             <p:nvSpPr>
               <p:cNvPr id="8" name="Rectangle 7">
@@ -24777,7 +24777,7 @@
             </p:txBody>
           </p:sp>
         </mc:Choice>
-        <mc:Fallback>
+        <mc:Fallback xmlns="">
           <p:sp>
             <p:nvSpPr>
               <p:cNvPr id="8" name="Rectangle 7">
@@ -24989,8 +24989,8 @@
           </a:p>
         </p:txBody>
       </p:sp>
-      <mc:AlternateContent xmlns:mc="http://schemas.openxmlformats.org/markup-compatibility/2006">
-        <mc:Choice xmlns:a14="http://schemas.microsoft.com/office/drawing/2010/main" Requires="a14">
+      <mc:AlternateContent xmlns:mc="http://schemas.openxmlformats.org/markup-compatibility/2006" xmlns:a14="http://schemas.microsoft.com/office/drawing/2010/main">
+        <mc:Choice Requires="a14">
           <p:sp>
             <p:nvSpPr>
               <p:cNvPr id="7" name="Rectangle 6">
@@ -25850,7 +25850,7 @@
             </p:txBody>
           </p:sp>
         </mc:Choice>
-        <mc:Fallback>
+        <mc:Fallback xmlns="">
           <p:sp>
             <p:nvSpPr>
               <p:cNvPr id="7" name="Rectangle 6">
@@ -26320,7 +26320,6 @@
             <a:tailEnd type="none" w="med" len="med"/>
           </a:ln>
           <a:effectLst/>
-          <a:extLst/>
         </p:spPr>
         <p:txBody>
           <a:bodyPr vert="horz" wrap="none" lIns="91440" tIns="45720" rIns="91440" bIns="45720" numCol="1" rtlCol="0" anchor="ctr" anchorCtr="0" compatLnSpc="1">
@@ -26397,7 +26396,6 @@
               <a:tailEnd type="none" w="med" len="med"/>
             </a:ln>
             <a:effectLst/>
-            <a:extLst/>
           </p:spPr>
           <p:txBody>
             <a:bodyPr vert="horz" wrap="none" lIns="91440" tIns="45720" rIns="91440" bIns="45720" numCol="1" rtlCol="0" anchor="ctr" anchorCtr="0" compatLnSpc="1">
@@ -27257,7 +27255,6 @@
             <a:tailEnd type="none" w="med" len="med"/>
           </a:ln>
           <a:effectLst/>
-          <a:extLst/>
         </p:spPr>
         <p:txBody>
           <a:bodyPr vert="horz" wrap="none" lIns="91440" tIns="45720" rIns="91440" bIns="45720" numCol="1" rtlCol="0" anchor="ctr" anchorCtr="0" compatLnSpc="1">
@@ -31106,7 +31103,7 @@
         <p:spPr>
           <a:xfrm>
             <a:off x="434716" y="5211018"/>
-            <a:ext cx="5686172" cy="369332"/>
+            <a:ext cx="5686172" cy="707886"/>
           </a:xfrm>
           <a:prstGeom prst="rect">
             <a:avLst/>
@@ -31132,13 +31129,13 @@
           <a:p>
             <a:r>
               <a:rPr lang="en-US" dirty="0"/>
-              <a:t>Solutions of the Helmholtz equation are plane waves: </a:t>
+              <a:t>Trivial solutions of the Helmholtz equation are plane waves: </a:t>
             </a:r>
           </a:p>
         </p:txBody>
       </p:sp>
-      <mc:AlternateContent xmlns:mc="http://schemas.openxmlformats.org/markup-compatibility/2006" xmlns:a14="http://schemas.microsoft.com/office/drawing/2010/main">
-        <mc:Choice Requires="a14">
+      <mc:AlternateContent xmlns:mc="http://schemas.openxmlformats.org/markup-compatibility/2006">
+        <mc:Choice xmlns:a14="http://schemas.microsoft.com/office/drawing/2010/main" Requires="a14">
           <p:sp>
             <p:nvSpPr>
               <p:cNvPr id="23" name="Rectangle 22">
@@ -31154,7 +31151,7 @@
             <p:spPr>
               <a:xfrm>
                 <a:off x="6919588" y="4565649"/>
-                <a:ext cx="4665764" cy="1690847"/>
+                <a:ext cx="4889031" cy="1690847"/>
               </a:xfrm>
               <a:prstGeom prst="rect">
                 <a:avLst/>
@@ -31173,32 +31170,43 @@
                       <m:jc m:val="left"/>
                     </m:oMathParaPr>
                     <m:oMath xmlns:m="http://schemas.openxmlformats.org/officeDocument/2006/math">
-                      <m:sSub>
-                        <m:sSubPr>
+                      <m:sSubSup>
+                        <m:sSubSupPr>
                           <m:ctrlPr>
                             <a:rPr lang="en-US" sz="2800" i="1" dirty="0" smtClean="0">
                               <a:latin typeface="Cambria Math" panose="02040503050406030204" pitchFamily="18" charset="0"/>
+                              <a:ea typeface="Cambria Math" panose="02040503050406030204" pitchFamily="18" charset="0"/>
                             </a:rPr>
                           </m:ctrlPr>
-                        </m:sSubPr>
+                        </m:sSubSupPr>
                         <m:e>
                           <m:r>
-                            <a:rPr lang="en-US" sz="2800" i="1" dirty="0">
-                              <a:latin typeface="Cambria Math" panose="02040503050406030204" pitchFamily="18" charset="0"/>
+                            <a:rPr lang="en-US" sz="2800" b="0" i="1" dirty="0" smtClean="0">
+                              <a:latin typeface="Cambria Math" panose="02040503050406030204" pitchFamily="18" charset="0"/>
+                              <a:ea typeface="Cambria Math" panose="02040503050406030204" pitchFamily="18" charset="0"/>
                             </a:rPr>
                             <m:t>𝑢</m:t>
                           </m:r>
                         </m:e>
                         <m:sub>
                           <m:r>
-                            <a:rPr lang="en-US" sz="2800" i="1" dirty="0">
+                            <a:rPr lang="en-US" sz="2800" i="1" dirty="0" smtClean="0">
                               <a:latin typeface="Cambria Math" panose="02040503050406030204" pitchFamily="18" charset="0"/>
                               <a:ea typeface="Cambria Math" panose="02040503050406030204" pitchFamily="18" charset="0"/>
                             </a:rPr>
                             <m:t>𝜔</m:t>
                           </m:r>
                         </m:sub>
-                      </m:sSub>
+                        <m:sup>
+                          <m:r>
+                            <a:rPr lang="en-US" sz="2800" b="0" i="1" dirty="0" smtClean="0">
+                              <a:latin typeface="Cambria Math" panose="02040503050406030204" pitchFamily="18" charset="0"/>
+                              <a:ea typeface="Cambria Math" panose="02040503050406030204" pitchFamily="18" charset="0"/>
+                            </a:rPr>
+                            <m:t>𝑃𝑊</m:t>
+                          </m:r>
+                        </m:sup>
+                      </m:sSubSup>
                       <m:d>
                         <m:dPr>
                           <m:ctrlPr>
@@ -31553,7 +31561,7 @@
             </p:txBody>
           </p:sp>
         </mc:Choice>
-        <mc:Fallback xmlns="">
+        <mc:Fallback>
           <p:sp>
             <p:nvSpPr>
               <p:cNvPr id="23" name="Rectangle 22">
@@ -31571,7 +31579,7 @@
             <p:spPr>
               <a:xfrm>
                 <a:off x="6919588" y="4565649"/>
-                <a:ext cx="4665764" cy="1690847"/>
+                <a:ext cx="4889031" cy="1690847"/>
               </a:xfrm>
               <a:prstGeom prst="rect">
                 <a:avLst/>
@@ -31579,7 +31587,7 @@
               <a:blipFill>
                 <a:blip r:embed="rId5"/>
                 <a:stretch>
-                  <a:fillRect l="-815"/>
+                  <a:fillRect l="-777"/>
                 </a:stretch>
               </a:blipFill>
             </p:spPr>
@@ -31726,8 +31734,8 @@
           </a:p>
         </p:txBody>
       </p:sp>
-      <mc:AlternateContent xmlns:mc="http://schemas.openxmlformats.org/markup-compatibility/2006" xmlns:a14="http://schemas.microsoft.com/office/drawing/2010/main">
-        <mc:Choice Requires="a14">
+      <mc:AlternateContent xmlns:mc="http://schemas.openxmlformats.org/markup-compatibility/2006">
+        <mc:Choice xmlns:a14="http://schemas.microsoft.com/office/drawing/2010/main" Requires="a14">
           <p:sp>
             <p:nvSpPr>
               <p:cNvPr id="2" name="Rectangle 1">
@@ -31743,7 +31751,7 @@
             <p:spPr>
               <a:xfrm>
                 <a:off x="726168" y="984047"/>
-                <a:ext cx="10863551" cy="868251"/>
+                <a:ext cx="11120930" cy="868251"/>
               </a:xfrm>
               <a:prstGeom prst="rect">
                 <a:avLst/>
@@ -31762,18 +31770,20 @@
                       <m:jc m:val="centerGroup"/>
                     </m:oMathParaPr>
                     <m:oMath xmlns:m="http://schemas.openxmlformats.org/officeDocument/2006/math">
-                      <m:sSub>
-                        <m:sSubPr>
+                      <m:sSubSup>
+                        <m:sSubSupPr>
                           <m:ctrlPr>
                             <a:rPr lang="en-US" sz="2800" i="1" dirty="0" smtClean="0">
                               <a:latin typeface="Cambria Math" panose="02040503050406030204" pitchFamily="18" charset="0"/>
+                              <a:ea typeface="Cambria Math" panose="02040503050406030204" pitchFamily="18" charset="0"/>
                             </a:rPr>
                           </m:ctrlPr>
-                        </m:sSubPr>
+                        </m:sSubSupPr>
                         <m:e>
                           <m:r>
                             <a:rPr lang="en-US" sz="2800" i="1" dirty="0">
                               <a:latin typeface="Cambria Math" panose="02040503050406030204" pitchFamily="18" charset="0"/>
+                              <a:ea typeface="Cambria Math" panose="02040503050406030204" pitchFamily="18" charset="0"/>
                             </a:rPr>
                             <m:t>𝑢</m:t>
                           </m:r>
@@ -31787,7 +31797,16 @@
                             <m:t>𝜔</m:t>
                           </m:r>
                         </m:sub>
-                      </m:sSub>
+                        <m:sup>
+                          <m:r>
+                            <a:rPr lang="en-US" sz="2800" i="1" dirty="0">
+                              <a:latin typeface="Cambria Math" panose="02040503050406030204" pitchFamily="18" charset="0"/>
+                              <a:ea typeface="Cambria Math" panose="02040503050406030204" pitchFamily="18" charset="0"/>
+                            </a:rPr>
+                            <m:t>𝑃𝑊</m:t>
+                          </m:r>
+                        </m:sup>
+                      </m:sSubSup>
                       <m:d>
                         <m:dPr>
                           <m:ctrlPr>
@@ -32086,18 +32105,20 @@
                         </a:rPr>
                         <m:t>=</m:t>
                       </m:r>
-                      <m:sSub>
-                        <m:sSubPr>
+                      <m:sSubSup>
+                        <m:sSubSupPr>
                           <m:ctrlPr>
                             <a:rPr lang="en-US" sz="2800" i="1" dirty="0">
                               <a:latin typeface="Cambria Math" panose="02040503050406030204" pitchFamily="18" charset="0"/>
+                              <a:ea typeface="Cambria Math" panose="02040503050406030204" pitchFamily="18" charset="0"/>
                             </a:rPr>
                           </m:ctrlPr>
-                        </m:sSubPr>
+                        </m:sSubSupPr>
                         <m:e>
                           <m:r>
                             <a:rPr lang="en-US" sz="2800" i="1" dirty="0">
                               <a:latin typeface="Cambria Math" panose="02040503050406030204" pitchFamily="18" charset="0"/>
+                              <a:ea typeface="Cambria Math" panose="02040503050406030204" pitchFamily="18" charset="0"/>
                             </a:rPr>
                             <m:t>𝑢</m:t>
                           </m:r>
@@ -32111,7 +32132,16 @@
                             <m:t>𝜔</m:t>
                           </m:r>
                         </m:sub>
-                      </m:sSub>
+                        <m:sup>
+                          <m:r>
+                            <a:rPr lang="en-US" sz="2800" i="1" dirty="0">
+                              <a:latin typeface="Cambria Math" panose="02040503050406030204" pitchFamily="18" charset="0"/>
+                              <a:ea typeface="Cambria Math" panose="02040503050406030204" pitchFamily="18" charset="0"/>
+                            </a:rPr>
+                            <m:t>𝑃𝑊</m:t>
+                          </m:r>
+                        </m:sup>
+                      </m:sSubSup>
                       <m:d>
                         <m:dPr>
                           <m:ctrlPr>
@@ -32152,7 +32182,7 @@
                             <m:t>𝑧</m:t>
                           </m:r>
                           <m:r>
-                            <a:rPr lang="en-US" sz="2800" i="1" dirty="0">
+                            <a:rPr lang="en-US" sz="2800" b="0" i="1" dirty="0" smtClean="0">
                               <a:latin typeface="Cambria Math" panose="02040503050406030204" pitchFamily="18" charset="0"/>
                             </a:rPr>
                             <m:t>=0</m:t>
@@ -32310,7 +32340,7 @@
             </p:txBody>
           </p:sp>
         </mc:Choice>
-        <mc:Fallback xmlns="">
+        <mc:Fallback>
           <p:sp>
             <p:nvSpPr>
               <p:cNvPr id="2" name="Rectangle 1">
@@ -32328,7 +32358,7 @@
             <p:spPr>
               <a:xfrm>
                 <a:off x="726168" y="984047"/>
-                <a:ext cx="10863551" cy="868251"/>
+                <a:ext cx="11120930" cy="868251"/>
               </a:xfrm>
               <a:prstGeom prst="rect">
                 <a:avLst/>
@@ -32866,8 +32896,8 @@
           </p:sp>
         </mc:Fallback>
       </mc:AlternateContent>
-      <mc:AlternateContent xmlns:mc="http://schemas.openxmlformats.org/markup-compatibility/2006" xmlns:a14="http://schemas.microsoft.com/office/drawing/2010/main">
-        <mc:Choice Requires="a14">
+      <mc:AlternateContent xmlns:mc="http://schemas.openxmlformats.org/markup-compatibility/2006">
+        <mc:Choice xmlns:a14="http://schemas.microsoft.com/office/drawing/2010/main" Requires="a14">
           <p:sp>
             <p:nvSpPr>
               <p:cNvPr id="4" name="TextBox 3">
@@ -33361,6 +33391,96 @@
                         </m:d>
                       </m:sup>
                     </m:sSup>
+                    <m:r>
+                      <a:rPr lang="en-US" sz="2000" b="0" i="0" dirty="0" smtClean="0">
+                        <a:latin typeface="Cambria Math" panose="02040503050406030204" pitchFamily="18" charset="0"/>
+                      </a:rPr>
+                      <m:t>=</m:t>
+                    </m:r>
+                    <m:sSubSup>
+                      <m:sSubSupPr>
+                        <m:ctrlPr>
+                          <a:rPr lang="en-US" sz="2000" i="1" dirty="0">
+                            <a:latin typeface="Cambria Math" panose="02040503050406030204" pitchFamily="18" charset="0"/>
+                            <a:ea typeface="Cambria Math" panose="02040503050406030204" pitchFamily="18" charset="0"/>
+                          </a:rPr>
+                        </m:ctrlPr>
+                      </m:sSubSupPr>
+                      <m:e>
+                        <m:r>
+                          <a:rPr lang="en-US" sz="2000" i="1" dirty="0">
+                            <a:latin typeface="Cambria Math" panose="02040503050406030204" pitchFamily="18" charset="0"/>
+                            <a:ea typeface="Cambria Math" panose="02040503050406030204" pitchFamily="18" charset="0"/>
+                          </a:rPr>
+                          <m:t>𝑢</m:t>
+                        </m:r>
+                      </m:e>
+                      <m:sub>
+                        <m:r>
+                          <a:rPr lang="en-US" sz="2000" i="1" dirty="0">
+                            <a:latin typeface="Cambria Math" panose="02040503050406030204" pitchFamily="18" charset="0"/>
+                            <a:ea typeface="Cambria Math" panose="02040503050406030204" pitchFamily="18" charset="0"/>
+                          </a:rPr>
+                          <m:t>𝜔</m:t>
+                        </m:r>
+                      </m:sub>
+                      <m:sup>
+                        <m:r>
+                          <a:rPr lang="en-US" sz="2000" i="1" dirty="0">
+                            <a:latin typeface="Cambria Math" panose="02040503050406030204" pitchFamily="18" charset="0"/>
+                            <a:ea typeface="Cambria Math" panose="02040503050406030204" pitchFamily="18" charset="0"/>
+                          </a:rPr>
+                          <m:t>𝑃𝑊</m:t>
+                        </m:r>
+                      </m:sup>
+                    </m:sSubSup>
+                    <m:d>
+                      <m:dPr>
+                        <m:ctrlPr>
+                          <a:rPr lang="en-US" sz="2000" i="1" dirty="0">
+                            <a:latin typeface="Cambria Math" panose="02040503050406030204" pitchFamily="18" charset="0"/>
+                          </a:rPr>
+                        </m:ctrlPr>
+                      </m:dPr>
+                      <m:e>
+                        <m:r>
+                          <a:rPr lang="en-US" sz="2000" i="1" dirty="0">
+                            <a:latin typeface="Cambria Math" panose="02040503050406030204" pitchFamily="18" charset="0"/>
+                          </a:rPr>
+                          <m:t>𝑥</m:t>
+                        </m:r>
+                        <m:r>
+                          <a:rPr lang="en-US" sz="2000" i="1" dirty="0">
+                            <a:latin typeface="Cambria Math" panose="02040503050406030204" pitchFamily="18" charset="0"/>
+                          </a:rPr>
+                          <m:t>, </m:t>
+                        </m:r>
+                        <m:r>
+                          <a:rPr lang="en-US" sz="2000" i="1" dirty="0">
+                            <a:latin typeface="Cambria Math" panose="02040503050406030204" pitchFamily="18" charset="0"/>
+                          </a:rPr>
+                          <m:t>𝑦</m:t>
+                        </m:r>
+                        <m:r>
+                          <a:rPr lang="en-US" sz="2000" i="1" dirty="0">
+                            <a:latin typeface="Cambria Math" panose="02040503050406030204" pitchFamily="18" charset="0"/>
+                          </a:rPr>
+                          <m:t>, </m:t>
+                        </m:r>
+                        <m:r>
+                          <a:rPr lang="en-US" sz="2000" i="1" dirty="0">
+                            <a:latin typeface="Cambria Math" panose="02040503050406030204" pitchFamily="18" charset="0"/>
+                          </a:rPr>
+                          <m:t>𝑧</m:t>
+                        </m:r>
+                        <m:r>
+                          <a:rPr lang="en-US" sz="2000" i="1" dirty="0">
+                            <a:latin typeface="Cambria Math" panose="02040503050406030204" pitchFamily="18" charset="0"/>
+                          </a:rPr>
+                          <m:t>=0</m:t>
+                        </m:r>
+                      </m:e>
+                    </m:d>
                   </m:oMath>
                 </a14:m>
                 <a:r>
@@ -33375,7 +33495,7 @@
             </p:txBody>
           </p:sp>
         </mc:Choice>
-        <mc:Fallback xmlns="">
+        <mc:Fallback>
           <p:sp>
             <p:nvSpPr>
               <p:cNvPr id="4" name="TextBox 3">
@@ -33420,8 +33540,8 @@
           </p:sp>
         </mc:Fallback>
       </mc:AlternateContent>
-      <mc:AlternateContent xmlns:mc="http://schemas.openxmlformats.org/markup-compatibility/2006" xmlns:a14="http://schemas.microsoft.com/office/drawing/2010/main">
-        <mc:Choice Requires="a14">
+      <mc:AlternateContent xmlns:mc="http://schemas.openxmlformats.org/markup-compatibility/2006">
+        <mc:Choice xmlns:a14="http://schemas.microsoft.com/office/drawing/2010/main" Requires="a14">
           <p:sp>
             <p:nvSpPr>
               <p:cNvPr id="5" name="TextBox 4">
@@ -33437,7 +33557,7 @@
             <p:spPr>
               <a:xfrm>
                 <a:off x="455585" y="2045890"/>
-                <a:ext cx="11511128" cy="1569982"/>
+                <a:ext cx="11511128" cy="1262205"/>
               </a:xfrm>
               <a:prstGeom prst="rect">
                 <a:avLst/>
@@ -33456,7 +33576,7 @@
                       <a:srgbClr val="005C98"/>
                     </a:solidFill>
                   </a:rPr>
-                  <a:t>This expression shows that the wavefield propagated at z is the wavefield calculated at z=0 multiplied by the factor </a:t>
+                  <a:t>This expression shows that the wavefield of a single monochromatic wave propagated at z is the wavefield calculated at z=0 multiplied by the factor </a:t>
                 </a:r>
                 <a14:m>
                   <m:oMath xmlns:m="http://schemas.openxmlformats.org/officeDocument/2006/math">
@@ -33676,30 +33796,13 @@
                       <a:srgbClr val="005C98"/>
                     </a:solidFill>
                   </a:rPr>
-                  <a:t>. </a:t>
-                </a:r>
-              </a:p>
-              <a:p>
-                <a:endParaRPr lang="en-US" sz="2000" dirty="0">
-                  <a:solidFill>
-                    <a:srgbClr val="005C98"/>
-                  </a:solidFill>
-                </a:endParaRPr>
-              </a:p>
-              <a:p>
-                <a:r>
-                  <a:rPr lang="en-US" sz="2000" dirty="0">
-                    <a:solidFill>
-                      <a:srgbClr val="005C98"/>
-                    </a:solidFill>
-                  </a:rPr>
-                  <a:t>Then,</a:t>
+                  <a:t>. Then, for a generic unpropagated field:</a:t>
                 </a:r>
               </a:p>
             </p:txBody>
           </p:sp>
         </mc:Choice>
-        <mc:Fallback xmlns="">
+        <mc:Fallback>
           <p:sp>
             <p:nvSpPr>
               <p:cNvPr id="5" name="TextBox 4">
@@ -33717,7 +33820,7 @@
             <p:spPr>
               <a:xfrm>
                 <a:off x="455585" y="2045890"/>
-                <a:ext cx="11511128" cy="1569982"/>
+                <a:ext cx="11511128" cy="1262205"/>
               </a:xfrm>
               <a:prstGeom prst="rect">
                 <a:avLst/>
@@ -33725,7 +33828,7 @@
               <a:blipFill>
                 <a:blip r:embed="rId6"/>
                 <a:stretch>
-                  <a:fillRect l="-662" t="-1600" b="-5600"/>
+                  <a:fillRect l="-662" t="-2000" b="-8000"/>
                 </a:stretch>
               </a:blipFill>
             </p:spPr>
@@ -40626,11 +40729,6 @@
 
 <file path=customXml/item1.xml><?xml version="1.0" encoding="utf-8"?>
 <?mso-contentType ?>
-<SharedContentType xmlns="Microsoft.SharePoint.Taxonomy.ContentTypeSync" SourceId="c2502a80-7d28-4222-8cca-c624a41b2055" ContentTypeId="0x0101002B7518C7231E97499E1F1C54B0F5901D13" PreviousValue="false"/>
-</file>
-
-<file path=customXml/item2.xml><?xml version="1.0" encoding="utf-8"?>
-<?mso-contentType ?>
 <FormTemplates xmlns="http://schemas.microsoft.com/sharepoint/v3/contenttype/forms">
   <Display>DocumentLibraryForm</Display>
   <Edit>DocumentLibraryForm</Edit>
@@ -40638,13 +40736,12 @@
 </FormTemplates>
 </file>
 
-<file path=customXml/item3.xml><?xml version="1.0" encoding="utf-8"?>
-<p:properties xmlns:p="http://schemas.microsoft.com/office/2006/metadata/properties" xmlns:xsi="http://www.w3.org/2001/XMLSchema-instance" xmlns:pc="http://schemas.microsoft.com/office/infopath/2007/PartnerControls">
-  <documentManagement/>
-</p:properties>
+<file path=customXml/item2.xml><?xml version="1.0" encoding="utf-8"?>
+<?mso-contentType ?>
+<SharedContentType xmlns="Microsoft.SharePoint.Taxonomy.ContentTypeSync" SourceId="c2502a80-7d28-4222-8cca-c624a41b2055" ContentTypeId="0x0101002B7518C7231E97499E1F1C54B0F5901D13" PreviousValue="false"/>
 </file>
 
-<file path=customXml/item4.xml><?xml version="1.0" encoding="utf-8"?>
+<file path=customXml/item3.xml><?xml version="1.0" encoding="utf-8"?>
 <ct:contentTypeSchema xmlns:ct="http://schemas.microsoft.com/office/2006/metadata/contentType" xmlns:ma="http://schemas.microsoft.com/office/2006/metadata/properties/metaAttributes" ct:_="" ma:_="" ma:contentTypeName="Review Document" ma:contentTypeID="0x0101002B7518C7231E97499E1F1C54B0F5901D130064AD933CD713864CA8A91A9C767D8A9B" ma:contentTypeVersion="" ma:contentTypeDescription="" ma:contentTypeScope="" ma:versionID="277116d1d53a68e581275545c2aafa56">
   <xsd:schema xmlns:xsd="http://www.w3.org/2001/XMLSchema" xmlns:xs="http://www.w3.org/2001/XMLSchema" xmlns:p="http://schemas.microsoft.com/office/2006/metadata/properties" targetNamespace="http://schemas.microsoft.com/office/2006/metadata/properties" ma:root="true" ma:fieldsID="817bd159687fd4e0b52f7220829539b7">
     <xsd:element name="properties">
@@ -40758,7 +40855,21 @@
 </ct:contentTypeSchema>
 </file>
 
+<file path=customXml/item4.xml><?xml version="1.0" encoding="utf-8"?>
+<p:properties xmlns:p="http://schemas.microsoft.com/office/2006/metadata/properties" xmlns:xsi="http://www.w3.org/2001/XMLSchema-instance" xmlns:pc="http://schemas.microsoft.com/office/infopath/2007/PartnerControls">
+  <documentManagement/>
+</p:properties>
+</file>
+
 <file path=customXml/itemProps1.xml><?xml version="1.0" encoding="utf-8"?>
+<ds:datastoreItem xmlns:ds="http://schemas.openxmlformats.org/officeDocument/2006/customXml" ds:itemID="{3D0D0C73-1D92-412D-8800-9C1E033764A7}">
+  <ds:schemaRefs>
+    <ds:schemaRef ds:uri="http://schemas.microsoft.com/sharepoint/v3/contenttype/forms"/>
+  </ds:schemaRefs>
+</ds:datastoreItem>
+</file>
+
+<file path=customXml/itemProps2.xml><?xml version="1.0" encoding="utf-8"?>
 <ds:datastoreItem xmlns:ds="http://schemas.openxmlformats.org/officeDocument/2006/customXml" ds:itemID="{E937644D-55DB-446B-BF55-BBD9A5B5B948}">
   <ds:schemaRefs>
     <ds:schemaRef ds:uri="Microsoft.SharePoint.Taxonomy.ContentTypeSync"/>
@@ -40766,24 +40877,7 @@
 </ds:datastoreItem>
 </file>
 
-<file path=customXml/itemProps2.xml><?xml version="1.0" encoding="utf-8"?>
-<ds:datastoreItem xmlns:ds="http://schemas.openxmlformats.org/officeDocument/2006/customXml" ds:itemID="{3D0D0C73-1D92-412D-8800-9C1E033764A7}">
-  <ds:schemaRefs>
-    <ds:schemaRef ds:uri="http://schemas.microsoft.com/sharepoint/v3/contenttype/forms"/>
-  </ds:schemaRefs>
-</ds:datastoreItem>
-</file>
-
 <file path=customXml/itemProps3.xml><?xml version="1.0" encoding="utf-8"?>
-<ds:datastoreItem xmlns:ds="http://schemas.openxmlformats.org/officeDocument/2006/customXml" ds:itemID="{8EE60D92-EC7B-437A-AF37-55618E86DE12}">
-  <ds:schemaRefs>
-    <ds:schemaRef ds:uri="http://schemas.microsoft.com/office/2006/metadata/properties"/>
-    <ds:schemaRef ds:uri="http://schemas.microsoft.com/office/infopath/2007/PartnerControls"/>
-  </ds:schemaRefs>
-</ds:datastoreItem>
-</file>
-
-<file path=customXml/itemProps4.xml><?xml version="1.0" encoding="utf-8"?>
 <ds:datastoreItem xmlns:ds="http://schemas.openxmlformats.org/officeDocument/2006/customXml" ds:itemID="{9CAB375B-207A-4512-9A8F-8D5197D792C9}">
   <ds:schemaRefs>
     <ds:schemaRef ds:uri="http://schemas.microsoft.com/office/2006/metadata/contentType"/>
@@ -40797,4 +40891,13 @@
     <ds:schemaRef ds:uri="http://schemas.microsoft.com/office/infopath/2007/PartnerControls"/>
   </ds:schemaRefs>
 </ds:datastoreItem>
+</file>
+
+<file path=customXml/itemProps4.xml><?xml version="1.0" encoding="utf-8"?>
+<ds:datastoreItem xmlns:ds="http://schemas.openxmlformats.org/officeDocument/2006/customXml" ds:itemID="{8EE60D92-EC7B-437A-AF37-55618E86DE12}">
+  <ds:schemaRefs>
+    <ds:schemaRef ds:uri="http://schemas.microsoft.com/office/2006/metadata/properties"/>
+    <ds:schemaRef ds:uri="http://schemas.microsoft.com/office/infopath/2007/PartnerControls"/>
+  </ds:schemaRefs>
+</ds:datastoreItem>
 </file>
--- a/second/slides/Introduction_to_SRW.pptx
+++ b/second/slides/Introduction_to_SRW.pptx
@@ -23337,7 +23337,7 @@
           <p:nvPr>
             <p:extLst>
               <p:ext uri="{D42A27DB-BD31-4B8C-83A1-F6EECF244321}">
-                <p14:modId xmlns:p14="http://schemas.microsoft.com/office/powerpoint/2010/main" val="786621916"/>
+                <p14:modId xmlns:p14="http://schemas.microsoft.com/office/powerpoint/2010/main" val="1626096505"/>
               </p:ext>
             </p:extLst>
           </p:nvPr>
@@ -23621,7 +23621,7 @@
                           </a:solidFill>
                           <a:effectLst/>
                         </a:rPr>
-                        <a:t>specially adequate when (strongly astigmatic) wavefront is being focused or emerging from very small slits </a:t>
+                        <a:t>especially adequate when (strongly astigmatic) wavefront is being focused or emerging from very small slits </a:t>
                       </a:r>
                     </a:p>
                     <a:p>
